--- a/Truth2D/Assets/Documents/遊戲概念.pptx
+++ b/Truth2D/Assets/Documents/遊戲概念.pptx
@@ -10,8 +10,10 @@
     <p:sldId id="259" r:id="rId4"/>
     <p:sldId id="257" r:id="rId5"/>
     <p:sldId id="260" r:id="rId6"/>
-    <p:sldId id="262" r:id="rId7"/>
-    <p:sldId id="258" r:id="rId8"/>
+    <p:sldId id="263" r:id="rId7"/>
+    <p:sldId id="264" r:id="rId8"/>
+    <p:sldId id="262" r:id="rId9"/>
+    <p:sldId id="258" r:id="rId10"/>
   </p:sldIdLst>
   <p:sldSz cx="12192000" cy="6858000"/>
   <p:notesSz cx="6858000" cy="9144000"/>
@@ -3161,7 +3163,7 @@
         <p:spPr>
           <a:xfrm>
             <a:off x="1485900" y="2184400"/>
-            <a:ext cx="3517900" cy="369332"/>
+            <a:ext cx="3517900" cy="1477328"/>
           </a:xfrm>
           <a:prstGeom prst="rect">
             <a:avLst/>
@@ -3178,9 +3180,53 @@
               <a:rPr lang="zh-TW" altLang="en-US" dirty="0" smtClean="0">
                 <a:latin typeface="Bahnschrift" panose="020B0502040204020203" pitchFamily="34" charset="0"/>
               </a:rPr>
-              <a:t>如果美好的背後是殘酷</a:t>
-            </a:r>
-            <a:endParaRPr lang="en-US" dirty="0">
+              <a:t>如果美好的背後是殘</a:t>
+            </a:r>
+            <a:r>
+              <a:rPr lang="zh-TW" altLang="en-US" dirty="0" smtClean="0">
+                <a:latin typeface="Bahnschrift" panose="020B0502040204020203" pitchFamily="34" charset="0"/>
+              </a:rPr>
+              <a:t>酷</a:t>
+            </a:r>
+            <a:endParaRPr lang="en-US" altLang="zh-TW" dirty="0">
+              <a:latin typeface="Bahnschrift" panose="020B0502040204020203" pitchFamily="34" charset="0"/>
+            </a:endParaRPr>
+          </a:p>
+          <a:p>
+            <a:r>
+              <a:rPr lang="zh-TW" altLang="en-US" dirty="0" smtClean="0">
+                <a:latin typeface="Bahnschrift" panose="020B0502040204020203" pitchFamily="34" charset="0"/>
+              </a:rPr>
+              <a:t>一、理想</a:t>
+            </a:r>
+            <a:endParaRPr lang="en-US" altLang="zh-TW" dirty="0" smtClean="0">
+              <a:latin typeface="Bahnschrift" panose="020B0502040204020203" pitchFamily="34" charset="0"/>
+            </a:endParaRPr>
+          </a:p>
+          <a:p>
+            <a:r>
+              <a:rPr lang="zh-TW" altLang="en-US" dirty="0" smtClean="0">
+                <a:latin typeface="Bahnschrift" panose="020B0502040204020203" pitchFamily="34" charset="0"/>
+              </a:rPr>
+              <a:t>二、飢餓</a:t>
+            </a:r>
+            <a:endParaRPr lang="en-US" altLang="zh-TW" dirty="0" smtClean="0">
+              <a:latin typeface="Bahnschrift" panose="020B0502040204020203" pitchFamily="34" charset="0"/>
+            </a:endParaRPr>
+          </a:p>
+          <a:p>
+            <a:r>
+              <a:rPr lang="zh-TW" altLang="en-US" dirty="0" smtClean="0">
+                <a:latin typeface="Bahnschrift" panose="020B0502040204020203" pitchFamily="34" charset="0"/>
+              </a:rPr>
+              <a:t>三、</a:t>
+            </a:r>
+            <a:endParaRPr lang="en-US" altLang="zh-TW" dirty="0" smtClean="0">
+              <a:latin typeface="Bahnschrift" panose="020B0502040204020203" pitchFamily="34" charset="0"/>
+            </a:endParaRPr>
+          </a:p>
+          <a:p>
+            <a:endParaRPr lang="en-US" altLang="zh-TW" dirty="0" smtClean="0">
               <a:latin typeface="Bahnschrift" panose="020B0502040204020203" pitchFamily="34" charset="0"/>
             </a:endParaRPr>
           </a:p>
@@ -3558,6 +3604,46 @@
           </a:prstGeom>
         </p:spPr>
       </p:pic>
+      <p:sp>
+        <p:nvSpPr>
+          <p:cNvPr id="9" name="TextBox 8"/>
+          <p:cNvSpPr txBox="1"/>
+          <p:nvPr/>
+        </p:nvSpPr>
+        <p:spPr>
+          <a:xfrm>
+            <a:off x="5181600" y="2184400"/>
+            <a:ext cx="3517900" cy="369332"/>
+          </a:xfrm>
+          <a:prstGeom prst="rect">
+            <a:avLst/>
+          </a:prstGeom>
+          <a:noFill/>
+        </p:spPr>
+        <p:txBody>
+          <a:bodyPr wrap="square" rtlCol="0">
+            <a:spAutoFit/>
+          </a:bodyPr>
+          <a:lstStyle/>
+          <a:p>
+            <a:r>
+              <a:rPr lang="zh-TW" altLang="en-US" dirty="0" smtClean="0">
+                <a:solidFill>
+                  <a:srgbClr val="FF0000"/>
+                </a:solidFill>
+                <a:latin typeface="Bahnschrift" panose="020B0502040204020203" pitchFamily="34" charset="0"/>
+              </a:rPr>
+              <a:t>文字淡入淡出</a:t>
+            </a:r>
+            <a:endParaRPr lang="en-US" dirty="0">
+              <a:solidFill>
+                <a:srgbClr val="FF0000"/>
+              </a:solidFill>
+              <a:latin typeface="Bahnschrift" panose="020B0502040204020203" pitchFamily="34" charset="0"/>
+            </a:endParaRPr>
+          </a:p>
+        </p:txBody>
+      </p:sp>
     </p:spTree>
     <p:extLst>
       <p:ext uri="{BB962C8B-B14F-4D97-AF65-F5344CB8AC3E}">
@@ -3672,7 +3758,7 @@
         <p:spPr>
           <a:xfrm>
             <a:off x="0" y="6540500"/>
-            <a:ext cx="10820400" cy="317500"/>
+            <a:ext cx="9474200" cy="317500"/>
           </a:xfrm>
           <a:prstGeom prst="rect">
             <a:avLst/>
@@ -3772,7 +3858,7 @@
         </p:nvSpPr>
         <p:spPr>
           <a:xfrm>
-            <a:off x="7268370" y="0"/>
+            <a:off x="4679104" y="0"/>
             <a:ext cx="1701800" cy="6858000"/>
           </a:xfrm>
           <a:prstGeom prst="trapezoid">
@@ -3784,52 +3870,6 @@
               <a:lumOff val="60000"/>
               <a:alpha val="50000"/>
             </a:schemeClr>
-          </a:solidFill>
-          <a:ln>
-            <a:noFill/>
-          </a:ln>
-        </p:spPr>
-        <p:style>
-          <a:lnRef idx="2">
-            <a:schemeClr val="accent1">
-              <a:shade val="50000"/>
-            </a:schemeClr>
-          </a:lnRef>
-          <a:fillRef idx="1">
-            <a:schemeClr val="accent1"/>
-          </a:fillRef>
-          <a:effectRef idx="0">
-            <a:schemeClr val="accent1"/>
-          </a:effectRef>
-          <a:fontRef idx="minor">
-            <a:schemeClr val="lt1"/>
-          </a:fontRef>
-        </p:style>
-        <p:txBody>
-          <a:bodyPr rtlCol="0" anchor="ctr"/>
-          <a:lstStyle/>
-          <a:p>
-            <a:pPr algn="ctr"/>
-            <a:endParaRPr lang="en-US"/>
-          </a:p>
-        </p:txBody>
-      </p:sp>
-      <p:sp>
-        <p:nvSpPr>
-          <p:cNvPr id="10" name="Rectangle 9"/>
-          <p:cNvSpPr/>
-          <p:nvPr/>
-        </p:nvSpPr>
-        <p:spPr>
-          <a:xfrm>
-            <a:off x="10820400" y="6540500"/>
-            <a:ext cx="1371600" cy="317500"/>
-          </a:xfrm>
-          <a:prstGeom prst="rect">
-            <a:avLst/>
-          </a:prstGeom>
-          <a:solidFill>
-            <a:srgbClr val="0070C0"/>
           </a:solidFill>
           <a:ln>
             <a:noFill/>
@@ -3926,8 +3966,8 @@
           </a:stretch>
         </p:blipFill>
         <p:spPr bwMode="auto">
-          <a:xfrm>
-            <a:off x="6637338" y="5089145"/>
+          <a:xfrm flipH="1">
+            <a:off x="2359398" y="5089145"/>
             <a:ext cx="1677192" cy="1610105"/>
           </a:xfrm>
           <a:prstGeom prst="rect">
@@ -3966,8 +4006,8 @@
           </a:stretch>
         </p:blipFill>
         <p:spPr>
-          <a:xfrm>
-            <a:off x="6581921" y="5692680"/>
+          <a:xfrm flipH="1">
+            <a:off x="3401514" y="5692680"/>
             <a:ext cx="729954" cy="725677"/>
           </a:xfrm>
           <a:prstGeom prst="rect">
@@ -4014,6 +4054,670 @@
       </p:grpSpPr>
       <p:sp>
         <p:nvSpPr>
+          <p:cNvPr id="11" name="Rectangle 10"/>
+          <p:cNvSpPr/>
+          <p:nvPr/>
+        </p:nvSpPr>
+        <p:spPr>
+          <a:xfrm>
+            <a:off x="0" y="0"/>
+            <a:ext cx="12192000" cy="6858000"/>
+          </a:xfrm>
+          <a:prstGeom prst="rect">
+            <a:avLst/>
+          </a:prstGeom>
+          <a:gradFill>
+            <a:gsLst>
+              <a:gs pos="0">
+                <a:schemeClr val="bg1"/>
+              </a:gs>
+              <a:gs pos="53000">
+                <a:schemeClr val="bg1">
+                  <a:lumMod val="75000"/>
+                  <a:lumOff val="25000"/>
+                </a:schemeClr>
+              </a:gs>
+              <a:gs pos="87000">
+                <a:schemeClr val="accent1">
+                  <a:lumMod val="75000"/>
+                </a:schemeClr>
+              </a:gs>
+              <a:gs pos="100000">
+                <a:schemeClr val="accent1">
+                  <a:lumMod val="20000"/>
+                  <a:lumOff val="80000"/>
+                </a:schemeClr>
+              </a:gs>
+            </a:gsLst>
+            <a:lin ang="5400000" scaled="1"/>
+          </a:gradFill>
+          <a:ln>
+            <a:noFill/>
+          </a:ln>
+        </p:spPr>
+        <p:style>
+          <a:lnRef idx="2">
+            <a:schemeClr val="accent1">
+              <a:shade val="50000"/>
+            </a:schemeClr>
+          </a:lnRef>
+          <a:fillRef idx="1">
+            <a:schemeClr val="accent1"/>
+          </a:fillRef>
+          <a:effectRef idx="0">
+            <a:schemeClr val="accent1"/>
+          </a:effectRef>
+          <a:fontRef idx="minor">
+            <a:schemeClr val="lt1"/>
+          </a:fontRef>
+        </p:style>
+        <p:txBody>
+          <a:bodyPr rtlCol="0" anchor="ctr"/>
+          <a:lstStyle/>
+          <a:p>
+            <a:pPr algn="ctr"/>
+            <a:endParaRPr lang="en-US"/>
+          </a:p>
+        </p:txBody>
+      </p:sp>
+      <p:sp>
+        <p:nvSpPr>
+          <p:cNvPr id="5" name="Rectangle 4"/>
+          <p:cNvSpPr/>
+          <p:nvPr/>
+        </p:nvSpPr>
+        <p:spPr>
+          <a:xfrm>
+            <a:off x="0" y="6540500"/>
+            <a:ext cx="8674100" cy="317500"/>
+          </a:xfrm>
+          <a:prstGeom prst="rect">
+            <a:avLst/>
+          </a:prstGeom>
+          <a:solidFill>
+            <a:schemeClr val="bg1">
+              <a:lumMod val="85000"/>
+              <a:lumOff val="15000"/>
+            </a:schemeClr>
+          </a:solidFill>
+          <a:ln>
+            <a:noFill/>
+          </a:ln>
+        </p:spPr>
+        <p:style>
+          <a:lnRef idx="2">
+            <a:schemeClr val="accent1">
+              <a:shade val="50000"/>
+            </a:schemeClr>
+          </a:lnRef>
+          <a:fillRef idx="1">
+            <a:schemeClr val="accent1"/>
+          </a:fillRef>
+          <a:effectRef idx="0">
+            <a:schemeClr val="accent1"/>
+          </a:effectRef>
+          <a:fontRef idx="minor">
+            <a:schemeClr val="lt1"/>
+          </a:fontRef>
+        </p:style>
+        <p:txBody>
+          <a:bodyPr rtlCol="0" anchor="ctr"/>
+          <a:lstStyle/>
+          <a:p>
+            <a:pPr algn="ctr"/>
+            <a:endParaRPr lang="en-US"/>
+          </a:p>
+        </p:txBody>
+      </p:sp>
+      <p:pic>
+        <p:nvPicPr>
+          <p:cNvPr id="1026" name="Picture 2" descr="Red Poppy Flowers In Bloom In The Grass, Pixel Art Icon Isolated.. Royalty  Free Cliparts, Vectors, And Stock Illustration. Image 139141543."/>
+          <p:cNvPicPr>
+            <a:picLocks noGrp="1" noChangeAspect="1" noChangeArrowheads="1"/>
+          </p:cNvPicPr>
+          <p:nvPr>
+            <p:ph idx="1"/>
+          </p:nvPr>
+        </p:nvPicPr>
+        <p:blipFill>
+          <a:blip r:embed="rId2" cstate="print">
+            <a:clrChange>
+              <a:clrFrom>
+                <a:srgbClr val="FFFFFF"/>
+              </a:clrFrom>
+              <a:clrTo>
+                <a:srgbClr val="FFFFFF">
+                  <a:alpha val="0"/>
+                </a:srgbClr>
+              </a:clrTo>
+            </a:clrChange>
+            <a:extLst>
+              <a:ext uri="{28A0092B-C50C-407E-A947-70E740481C1C}">
+                <a14:useLocalDpi xmlns:a14="http://schemas.microsoft.com/office/drawing/2010/main" val="0"/>
+              </a:ext>
+            </a:extLst>
+          </a:blip>
+          <a:stretch>
+            <a:fillRect/>
+          </a:stretch>
+        </p:blipFill>
+        <p:spPr bwMode="auto">
+          <a:xfrm>
+            <a:off x="2352661" y="4568102"/>
+            <a:ext cx="2371740" cy="2371736"/>
+          </a:xfrm>
+          <a:prstGeom prst="rect">
+            <a:avLst/>
+          </a:prstGeom>
+          <a:noFill/>
+          <a:extLst>
+            <a:ext uri="{909E8E84-426E-40DD-AFC4-6F175D3DCCD1}">
+              <a14:hiddenFill xmlns:a14="http://schemas.microsoft.com/office/drawing/2010/main">
+                <a:solidFill>
+                  <a:srgbClr val="FFFFFF"/>
+                </a:solidFill>
+              </a14:hiddenFill>
+            </a:ext>
+          </a:extLst>
+        </p:spPr>
+      </p:pic>
+      <p:pic>
+        <p:nvPicPr>
+          <p:cNvPr id="9" name="Picture 2" descr="LIMBO BOY IN BLACK | Sticker | Desenhos, Desenho, Tatoo"/>
+          <p:cNvPicPr>
+            <a:picLocks noChangeAspect="1" noChangeArrowheads="1"/>
+          </p:cNvPicPr>
+          <p:nvPr/>
+        </p:nvPicPr>
+        <p:blipFill>
+          <a:blip r:embed="rId3">
+            <a:clrChange>
+              <a:clrFrom>
+                <a:srgbClr val="FFFFFF"/>
+              </a:clrFrom>
+              <a:clrTo>
+                <a:srgbClr val="FFFFFF">
+                  <a:alpha val="0"/>
+                </a:srgbClr>
+              </a:clrTo>
+            </a:clrChange>
+            <a:extLst>
+              <a:ext uri="{28A0092B-C50C-407E-A947-70E740481C1C}">
+                <a14:useLocalDpi xmlns:a14="http://schemas.microsoft.com/office/drawing/2010/main" val="0"/>
+              </a:ext>
+            </a:extLst>
+          </a:blip>
+          <a:srcRect/>
+          <a:stretch>
+            <a:fillRect/>
+          </a:stretch>
+        </p:blipFill>
+        <p:spPr bwMode="auto">
+          <a:xfrm flipH="1">
+            <a:off x="825249" y="5089145"/>
+            <a:ext cx="1677192" cy="1610105"/>
+          </a:xfrm>
+          <a:prstGeom prst="rect">
+            <a:avLst/>
+          </a:prstGeom>
+          <a:noFill/>
+          <a:extLst>
+            <a:ext uri="{909E8E84-426E-40DD-AFC4-6F175D3DCCD1}">
+              <a14:hiddenFill xmlns:a14="http://schemas.microsoft.com/office/drawing/2010/main">
+                <a:solidFill>
+                  <a:srgbClr val="FFFFFF"/>
+                </a:solidFill>
+              </a14:hiddenFill>
+            </a:ext>
+          </a:extLst>
+        </p:spPr>
+      </p:pic>
+    </p:spTree>
+    <p:extLst>
+      <p:ext uri="{BB962C8B-B14F-4D97-AF65-F5344CB8AC3E}">
+        <p14:creationId xmlns:p14="http://schemas.microsoft.com/office/powerpoint/2010/main" val="3786790601"/>
+      </p:ext>
+    </p:extLst>
+  </p:cSld>
+  <p:clrMapOvr>
+    <a:masterClrMapping/>
+  </p:clrMapOvr>
+  <p:timing>
+    <p:tnLst>
+      <p:par>
+        <p:cTn id="1" dur="indefinite" restart="never" nodeType="tmRoot"/>
+      </p:par>
+    </p:tnLst>
+  </p:timing>
+</p:sld>
+</file>
+
+<file path=ppt/slides/slide7.xml><?xml version="1.0" encoding="utf-8"?>
+<p:sld xmlns:a="http://schemas.openxmlformats.org/drawingml/2006/main" xmlns:r="http://schemas.openxmlformats.org/officeDocument/2006/relationships" xmlns:p="http://schemas.openxmlformats.org/presentationml/2006/main">
+  <p:cSld>
+    <p:spTree>
+      <p:nvGrpSpPr>
+        <p:cNvPr id="1" name=""/>
+        <p:cNvGrpSpPr/>
+        <p:nvPr/>
+      </p:nvGrpSpPr>
+      <p:grpSpPr>
+        <a:xfrm>
+          <a:off x="0" y="0"/>
+          <a:ext cx="0" cy="0"/>
+          <a:chOff x="0" y="0"/>
+          <a:chExt cx="0" cy="0"/>
+        </a:xfrm>
+      </p:grpSpPr>
+      <p:sp>
+        <p:nvSpPr>
+          <p:cNvPr id="11" name="Rectangle 10"/>
+          <p:cNvSpPr/>
+          <p:nvPr/>
+        </p:nvSpPr>
+        <p:spPr>
+          <a:xfrm>
+            <a:off x="0" y="0"/>
+            <a:ext cx="12192000" cy="6858000"/>
+          </a:xfrm>
+          <a:prstGeom prst="rect">
+            <a:avLst/>
+          </a:prstGeom>
+          <a:gradFill>
+            <a:gsLst>
+              <a:gs pos="0">
+                <a:schemeClr val="bg1"/>
+              </a:gs>
+              <a:gs pos="53000">
+                <a:schemeClr val="bg1">
+                  <a:lumMod val="75000"/>
+                  <a:lumOff val="25000"/>
+                </a:schemeClr>
+              </a:gs>
+              <a:gs pos="87000">
+                <a:schemeClr val="accent1">
+                  <a:lumMod val="75000"/>
+                </a:schemeClr>
+              </a:gs>
+              <a:gs pos="100000">
+                <a:schemeClr val="accent1">
+                  <a:lumMod val="20000"/>
+                  <a:lumOff val="80000"/>
+                </a:schemeClr>
+              </a:gs>
+            </a:gsLst>
+            <a:lin ang="5400000" scaled="1"/>
+          </a:gradFill>
+          <a:ln>
+            <a:noFill/>
+          </a:ln>
+        </p:spPr>
+        <p:style>
+          <a:lnRef idx="2">
+            <a:schemeClr val="accent1">
+              <a:shade val="50000"/>
+            </a:schemeClr>
+          </a:lnRef>
+          <a:fillRef idx="1">
+            <a:schemeClr val="accent1"/>
+          </a:fillRef>
+          <a:effectRef idx="0">
+            <a:schemeClr val="accent1"/>
+          </a:effectRef>
+          <a:fontRef idx="minor">
+            <a:schemeClr val="lt1"/>
+          </a:fontRef>
+        </p:style>
+        <p:txBody>
+          <a:bodyPr rtlCol="0" anchor="ctr"/>
+          <a:lstStyle/>
+          <a:p>
+            <a:pPr algn="ctr"/>
+            <a:endParaRPr lang="en-US"/>
+          </a:p>
+        </p:txBody>
+      </p:sp>
+      <p:sp>
+        <p:nvSpPr>
+          <p:cNvPr id="5" name="Rectangle 4"/>
+          <p:cNvSpPr/>
+          <p:nvPr/>
+        </p:nvSpPr>
+        <p:spPr>
+          <a:xfrm>
+            <a:off x="0" y="6540500"/>
+            <a:ext cx="7442200" cy="317500"/>
+          </a:xfrm>
+          <a:prstGeom prst="rect">
+            <a:avLst/>
+          </a:prstGeom>
+          <a:solidFill>
+            <a:schemeClr val="bg1">
+              <a:lumMod val="85000"/>
+              <a:lumOff val="15000"/>
+            </a:schemeClr>
+          </a:solidFill>
+          <a:ln>
+            <a:noFill/>
+          </a:ln>
+        </p:spPr>
+        <p:style>
+          <a:lnRef idx="2">
+            <a:schemeClr val="accent1">
+              <a:shade val="50000"/>
+            </a:schemeClr>
+          </a:lnRef>
+          <a:fillRef idx="1">
+            <a:schemeClr val="accent1"/>
+          </a:fillRef>
+          <a:effectRef idx="0">
+            <a:schemeClr val="accent1"/>
+          </a:effectRef>
+          <a:fontRef idx="minor">
+            <a:schemeClr val="lt1"/>
+          </a:fontRef>
+        </p:style>
+        <p:txBody>
+          <a:bodyPr rtlCol="0" anchor="ctr"/>
+          <a:lstStyle/>
+          <a:p>
+            <a:pPr algn="ctr"/>
+            <a:endParaRPr lang="en-US"/>
+          </a:p>
+        </p:txBody>
+      </p:sp>
+      <p:pic>
+        <p:nvPicPr>
+          <p:cNvPr id="1026" name="Picture 2" descr="Red Poppy Flowers In Bloom In The Grass, Pixel Art Icon Isolated.. Royalty  Free Cliparts, Vectors, And Stock Illustration. Image 139141543."/>
+          <p:cNvPicPr>
+            <a:picLocks noGrp="1" noChangeAspect="1" noChangeArrowheads="1"/>
+          </p:cNvPicPr>
+          <p:nvPr>
+            <p:ph idx="1"/>
+          </p:nvPr>
+        </p:nvPicPr>
+        <p:blipFill>
+          <a:blip r:embed="rId2" cstate="print">
+            <a:clrChange>
+              <a:clrFrom>
+                <a:srgbClr val="FFFFFF"/>
+              </a:clrFrom>
+              <a:clrTo>
+                <a:srgbClr val="FFFFFF">
+                  <a:alpha val="0"/>
+                </a:srgbClr>
+              </a:clrTo>
+            </a:clrChange>
+            <a:extLst>
+              <a:ext uri="{28A0092B-C50C-407E-A947-70E740481C1C}">
+                <a14:useLocalDpi xmlns:a14="http://schemas.microsoft.com/office/drawing/2010/main" val="0"/>
+              </a:ext>
+            </a:extLst>
+          </a:blip>
+          <a:stretch>
+            <a:fillRect/>
+          </a:stretch>
+        </p:blipFill>
+        <p:spPr bwMode="auto">
+          <a:xfrm>
+            <a:off x="2352661" y="2019300"/>
+            <a:ext cx="2371740" cy="4920538"/>
+          </a:xfrm>
+          <a:prstGeom prst="rect">
+            <a:avLst/>
+          </a:prstGeom>
+          <a:noFill/>
+          <a:extLst>
+            <a:ext uri="{909E8E84-426E-40DD-AFC4-6F175D3DCCD1}">
+              <a14:hiddenFill xmlns:a14="http://schemas.microsoft.com/office/drawing/2010/main">
+                <a:solidFill>
+                  <a:srgbClr val="FFFFFF"/>
+                </a:solidFill>
+              </a14:hiddenFill>
+            </a:ext>
+          </a:extLst>
+        </p:spPr>
+      </p:pic>
+      <p:pic>
+        <p:nvPicPr>
+          <p:cNvPr id="9" name="Picture 2" descr="LIMBO BOY IN BLACK | Sticker | Desenhos, Desenho, Tatoo"/>
+          <p:cNvPicPr>
+            <a:picLocks noChangeAspect="1" noChangeArrowheads="1"/>
+          </p:cNvPicPr>
+          <p:nvPr/>
+        </p:nvPicPr>
+        <p:blipFill>
+          <a:blip r:embed="rId3">
+            <a:clrChange>
+              <a:clrFrom>
+                <a:srgbClr val="FFFFFF"/>
+              </a:clrFrom>
+              <a:clrTo>
+                <a:srgbClr val="FFFFFF">
+                  <a:alpha val="0"/>
+                </a:srgbClr>
+              </a:clrTo>
+            </a:clrChange>
+            <a:extLst>
+              <a:ext uri="{28A0092B-C50C-407E-A947-70E740481C1C}">
+                <a14:useLocalDpi xmlns:a14="http://schemas.microsoft.com/office/drawing/2010/main" val="0"/>
+              </a:ext>
+            </a:extLst>
+          </a:blip>
+          <a:srcRect/>
+          <a:stretch>
+            <a:fillRect/>
+          </a:stretch>
+        </p:blipFill>
+        <p:spPr bwMode="auto">
+          <a:xfrm flipH="1">
+            <a:off x="825249" y="5089145"/>
+            <a:ext cx="1677192" cy="1610105"/>
+          </a:xfrm>
+          <a:prstGeom prst="rect">
+            <a:avLst/>
+          </a:prstGeom>
+          <a:noFill/>
+          <a:extLst>
+            <a:ext uri="{909E8E84-426E-40DD-AFC4-6F175D3DCCD1}">
+              <a14:hiddenFill xmlns:a14="http://schemas.microsoft.com/office/drawing/2010/main">
+                <a:solidFill>
+                  <a:srgbClr val="FFFFFF"/>
+                </a:solidFill>
+              </a14:hiddenFill>
+            </a:ext>
+          </a:extLst>
+        </p:spPr>
+      </p:pic>
+      <p:pic>
+        <p:nvPicPr>
+          <p:cNvPr id="6" name="Picture 2" descr="Red Poppy Flowers In Bloom In The Grass, Pixel Art Icon Isolated.. Royalty  Free Cliparts, Vectors, And Stock Illustration. Image 139141543."/>
+          <p:cNvPicPr>
+            <a:picLocks noChangeAspect="1" noChangeArrowheads="1"/>
+          </p:cNvPicPr>
+          <p:nvPr/>
+        </p:nvPicPr>
+        <p:blipFill>
+          <a:blip r:embed="rId2" cstate="print">
+            <a:clrChange>
+              <a:clrFrom>
+                <a:srgbClr val="FFFFFF"/>
+              </a:clrFrom>
+              <a:clrTo>
+                <a:srgbClr val="FFFFFF">
+                  <a:alpha val="0"/>
+                </a:srgbClr>
+              </a:clrTo>
+            </a:clrChange>
+            <a:extLst>
+              <a:ext uri="{28A0092B-C50C-407E-A947-70E740481C1C}">
+                <a14:useLocalDpi xmlns:a14="http://schemas.microsoft.com/office/drawing/2010/main" val="0"/>
+              </a:ext>
+            </a:extLst>
+          </a:blip>
+          <a:stretch>
+            <a:fillRect/>
+          </a:stretch>
+        </p:blipFill>
+        <p:spPr bwMode="auto">
+          <a:xfrm rot="3719646">
+            <a:off x="3512962" y="1315083"/>
+            <a:ext cx="1556102" cy="3223988"/>
+          </a:xfrm>
+          <a:prstGeom prst="rect">
+            <a:avLst/>
+          </a:prstGeom>
+          <a:noFill/>
+          <a:extLst>
+            <a:ext uri="{909E8E84-426E-40DD-AFC4-6F175D3DCCD1}">
+              <a14:hiddenFill xmlns:a14="http://schemas.microsoft.com/office/drawing/2010/main">
+                <a:solidFill>
+                  <a:srgbClr val="FFFFFF"/>
+                </a:solidFill>
+              </a14:hiddenFill>
+            </a:ext>
+          </a:extLst>
+        </p:spPr>
+      </p:pic>
+      <p:pic>
+        <p:nvPicPr>
+          <p:cNvPr id="7" name="Picture 2" descr="Red Poppy Flowers In Bloom In The Grass, Pixel Art Icon Isolated.. Royalty  Free Cliparts, Vectors, And Stock Illustration. Image 139141543."/>
+          <p:cNvPicPr>
+            <a:picLocks noChangeAspect="1" noChangeArrowheads="1"/>
+          </p:cNvPicPr>
+          <p:nvPr/>
+        </p:nvPicPr>
+        <p:blipFill>
+          <a:blip r:embed="rId2" cstate="print">
+            <a:clrChange>
+              <a:clrFrom>
+                <a:srgbClr val="FFFFFF"/>
+              </a:clrFrom>
+              <a:clrTo>
+                <a:srgbClr val="FFFFFF">
+                  <a:alpha val="0"/>
+                </a:srgbClr>
+              </a:clrTo>
+            </a:clrChange>
+            <a:extLst>
+              <a:ext uri="{28A0092B-C50C-407E-A947-70E740481C1C}">
+                <a14:useLocalDpi xmlns:a14="http://schemas.microsoft.com/office/drawing/2010/main" val="0"/>
+              </a:ext>
+            </a:extLst>
+          </a:blip>
+          <a:stretch>
+            <a:fillRect/>
+          </a:stretch>
+        </p:blipFill>
+        <p:spPr bwMode="auto">
+          <a:xfrm rot="6786801">
+            <a:off x="5189585" y="1444915"/>
+            <a:ext cx="1556102" cy="2890159"/>
+          </a:xfrm>
+          <a:prstGeom prst="rect">
+            <a:avLst/>
+          </a:prstGeom>
+          <a:noFill/>
+          <a:extLst>
+            <a:ext uri="{909E8E84-426E-40DD-AFC4-6F175D3DCCD1}">
+              <a14:hiddenFill xmlns:a14="http://schemas.microsoft.com/office/drawing/2010/main">
+                <a:solidFill>
+                  <a:srgbClr val="FFFFFF"/>
+                </a:solidFill>
+              </a14:hiddenFill>
+            </a:ext>
+          </a:extLst>
+        </p:spPr>
+      </p:pic>
+      <p:pic>
+        <p:nvPicPr>
+          <p:cNvPr id="8" name="Picture 2" descr="Red Poppy Flowers In Bloom In The Grass, Pixel Art Icon Isolated.. Royalty  Free Cliparts, Vectors, And Stock Illustration. Image 139141543."/>
+          <p:cNvPicPr>
+            <a:picLocks noChangeAspect="1" noChangeArrowheads="1"/>
+          </p:cNvPicPr>
+          <p:nvPr/>
+        </p:nvPicPr>
+        <p:blipFill>
+          <a:blip r:embed="rId2" cstate="print">
+            <a:clrChange>
+              <a:clrFrom>
+                <a:srgbClr val="FFFFFF"/>
+              </a:clrFrom>
+              <a:clrTo>
+                <a:srgbClr val="FFFFFF">
+                  <a:alpha val="0"/>
+                </a:srgbClr>
+              </a:clrTo>
+            </a:clrChange>
+            <a:extLst>
+              <a:ext uri="{28A0092B-C50C-407E-A947-70E740481C1C}">
+                <a14:useLocalDpi xmlns:a14="http://schemas.microsoft.com/office/drawing/2010/main" val="0"/>
+              </a:ext>
+            </a:extLst>
+          </a:blip>
+          <a:stretch>
+            <a:fillRect/>
+          </a:stretch>
+        </p:blipFill>
+        <p:spPr bwMode="auto">
+          <a:xfrm rot="5863796">
+            <a:off x="7132220" y="1960520"/>
+            <a:ext cx="1556102" cy="2890159"/>
+          </a:xfrm>
+          <a:prstGeom prst="rect">
+            <a:avLst/>
+          </a:prstGeom>
+          <a:noFill/>
+          <a:extLst>
+            <a:ext uri="{909E8E84-426E-40DD-AFC4-6F175D3DCCD1}">
+              <a14:hiddenFill xmlns:a14="http://schemas.microsoft.com/office/drawing/2010/main">
+                <a:solidFill>
+                  <a:srgbClr val="FFFFFF"/>
+                </a:solidFill>
+              </a14:hiddenFill>
+            </a:ext>
+          </a:extLst>
+        </p:spPr>
+      </p:pic>
+    </p:spTree>
+    <p:extLst>
+      <p:ext uri="{BB962C8B-B14F-4D97-AF65-F5344CB8AC3E}">
+        <p14:creationId xmlns:p14="http://schemas.microsoft.com/office/powerpoint/2010/main" val="194489643"/>
+      </p:ext>
+    </p:extLst>
+  </p:cSld>
+  <p:clrMapOvr>
+    <a:masterClrMapping/>
+  </p:clrMapOvr>
+  <p:timing>
+    <p:tnLst>
+      <p:par>
+        <p:cTn id="1" dur="indefinite" restart="never" nodeType="tmRoot"/>
+      </p:par>
+    </p:tnLst>
+  </p:timing>
+</p:sld>
+</file>
+
+<file path=ppt/slides/slide8.xml><?xml version="1.0" encoding="utf-8"?>
+<p:sld xmlns:a="http://schemas.openxmlformats.org/drawingml/2006/main" xmlns:r="http://schemas.openxmlformats.org/officeDocument/2006/relationships" xmlns:p="http://schemas.openxmlformats.org/presentationml/2006/main">
+  <p:cSld>
+    <p:spTree>
+      <p:nvGrpSpPr>
+        <p:cNvPr id="1" name=""/>
+        <p:cNvGrpSpPr/>
+        <p:nvPr/>
+      </p:nvGrpSpPr>
+      <p:grpSpPr>
+        <a:xfrm>
+          <a:off x="0" y="0"/>
+          <a:ext cx="0" cy="0"/>
+          <a:chOff x="0" y="0"/>
+          <a:chExt cx="0" cy="0"/>
+        </a:xfrm>
+      </p:grpSpPr>
+      <p:sp>
+        <p:nvSpPr>
           <p:cNvPr id="12" name="Rectangle 11"/>
           <p:cNvSpPr/>
           <p:nvPr/>
@@ -4424,7 +5128,7 @@
 </p:sld>
 </file>
 
-<file path=ppt/slides/slide7.xml><?xml version="1.0" encoding="utf-8"?>
+<file path=ppt/slides/slide9.xml><?xml version="1.0" encoding="utf-8"?>
 <p:sld xmlns:a="http://schemas.openxmlformats.org/drawingml/2006/main" xmlns:r="http://schemas.openxmlformats.org/officeDocument/2006/relationships" xmlns:p="http://schemas.openxmlformats.org/presentationml/2006/main">
   <p:cSld>
     <p:spTree>
